--- a/slides/CIKM_Conclusions.pptx
+++ b/slides/CIKM_Conclusions.pptx
@@ -5,10 +5,13 @@
     <p:sldMasterId id="2147483648" r:id="rId1"/>
   </p:sldMasterIdLst>
   <p:notesMasterIdLst>
-    <p:notesMasterId r:id="rId3"/>
+    <p:notesMasterId r:id="rId6"/>
   </p:notesMasterIdLst>
   <p:sldIdLst>
     <p:sldId id="1859" r:id="rId2"/>
+    <p:sldId id="1860" r:id="rId3"/>
+    <p:sldId id="1861" r:id="rId4"/>
+    <p:sldId id="1862" r:id="rId5"/>
   </p:sldIdLst>
   <p:sldSz cx="12192000" cy="6858000"/>
   <p:notesSz cx="6858000" cy="9144000"/>
@@ -197,7 +200,7 @@
           <a:p>
             <a:fld id="{6977184D-24A8-7849-A93C-F6C4A28B9FEB}" type="datetimeFigureOut">
               <a:rPr lang="en-US" smtClean="0"/>
-              <a:t>10/18/23</a:t>
+              <a:t>10/19/2023</a:t>
             </a:fld>
             <a:endParaRPr lang="en-US"/>
           </a:p>
@@ -611,7 +614,7 @@
           <a:p>
             <a:fld id="{D6F4839F-7DE1-B14A-88DF-1E87BC238DD3}" type="datetime1">
               <a:rPr lang="en-US" smtClean="0"/>
-              <a:t>10/18/23</a:t>
+              <a:t>10/19/2023</a:t>
             </a:fld>
             <a:endParaRPr lang="en-US"/>
           </a:p>
@@ -812,7 +815,7 @@
           <a:p>
             <a:fld id="{16599DE4-5D39-4348-9AAF-E8F68825BC5B}" type="datetime1">
               <a:rPr lang="en-US" smtClean="0"/>
-              <a:t>10/18/23</a:t>
+              <a:t>10/19/2023</a:t>
             </a:fld>
             <a:endParaRPr lang="en-US"/>
           </a:p>
@@ -1023,7 +1026,7 @@
           <a:p>
             <a:fld id="{E6D8F26C-F4A7-154D-A8F7-682C4194AF79}" type="datetime1">
               <a:rPr lang="en-US" smtClean="0"/>
-              <a:t>10/18/23</a:t>
+              <a:t>10/19/2023</a:t>
             </a:fld>
             <a:endParaRPr lang="en-US"/>
           </a:p>
@@ -1224,7 +1227,7 @@
           <a:p>
             <a:fld id="{81C3BD8B-B388-0944-BF27-A69B2D089469}" type="datetime1">
               <a:rPr lang="en-US" smtClean="0"/>
-              <a:t>10/18/23</a:t>
+              <a:t>10/19/2023</a:t>
             </a:fld>
             <a:endParaRPr lang="en-US"/>
           </a:p>
@@ -1502,7 +1505,7 @@
           <a:p>
             <a:fld id="{D60A6E5A-DC8A-C34B-9215-1F0D8E287035}" type="datetime1">
               <a:rPr lang="en-US" smtClean="0"/>
-              <a:t>10/18/23</a:t>
+              <a:t>10/19/2023</a:t>
             </a:fld>
             <a:endParaRPr lang="en-US"/>
           </a:p>
@@ -1770,7 +1773,7 @@
           <a:p>
             <a:fld id="{337A1C32-7323-A34F-B4A7-7D22756FAD70}" type="datetime1">
               <a:rPr lang="en-US" smtClean="0"/>
-              <a:t>10/18/23</a:t>
+              <a:t>10/19/2023</a:t>
             </a:fld>
             <a:endParaRPr lang="en-US"/>
           </a:p>
@@ -2185,7 +2188,7 @@
           <a:p>
             <a:fld id="{CB6D7B08-82DE-664D-AB2B-C91FFE57ACF6}" type="datetime1">
               <a:rPr lang="en-US" smtClean="0"/>
-              <a:t>10/18/23</a:t>
+              <a:t>10/19/2023</a:t>
             </a:fld>
             <a:endParaRPr lang="en-US"/>
           </a:p>
@@ -2329,7 +2332,7 @@
           <a:p>
             <a:fld id="{6C35521F-2369-6445-B181-E95C60B42026}" type="datetime1">
               <a:rPr lang="en-US" smtClean="0"/>
-              <a:t>10/18/23</a:t>
+              <a:t>10/19/2023</a:t>
             </a:fld>
             <a:endParaRPr lang="en-US"/>
           </a:p>
@@ -2445,7 +2448,7 @@
           <a:p>
             <a:fld id="{10625208-3CDA-CD4D-AEB9-8F0AF5A15F8D}" type="datetime1">
               <a:rPr lang="en-US" smtClean="0"/>
-              <a:t>10/18/23</a:t>
+              <a:t>10/19/2023</a:t>
             </a:fld>
             <a:endParaRPr lang="en-US"/>
           </a:p>
@@ -2759,7 +2762,7 @@
           <a:p>
             <a:fld id="{3D573010-5F3C-7C41-BE77-B6CEE6160861}" type="datetime1">
               <a:rPr lang="en-US" smtClean="0"/>
-              <a:t>10/18/23</a:t>
+              <a:t>10/19/2023</a:t>
             </a:fld>
             <a:endParaRPr lang="en-US"/>
           </a:p>
@@ -3050,7 +3053,7 @@
           <a:p>
             <a:fld id="{1CEBBBA8-CAA0-C749-9E2C-53E54900CA18}" type="datetime1">
               <a:rPr lang="en-US" smtClean="0"/>
-              <a:t>10/18/23</a:t>
+              <a:t>10/19/2023</a:t>
             </a:fld>
             <a:endParaRPr lang="en-US"/>
           </a:p>
@@ -3294,7 +3297,7 @@
           <a:p>
             <a:fld id="{595B83D0-0A32-6A41-8077-327E0A5F0CB3}" type="datetime1">
               <a:rPr lang="en-US" smtClean="0"/>
-              <a:t>10/18/23</a:t>
+              <a:t>10/19/2023</a:t>
             </a:fld>
             <a:endParaRPr lang="en-US"/>
           </a:p>
@@ -3800,6 +3803,436 @@
     <p:extLst>
       <p:ext uri="{BB962C8B-B14F-4D97-AF65-F5344CB8AC3E}">
         <p14:creationId xmlns:p14="http://schemas.microsoft.com/office/powerpoint/2010/main" val="4254351371"/>
+      </p:ext>
+    </p:extLst>
+  </p:cSld>
+  <p:clrMapOvr>
+    <a:masterClrMapping/>
+  </p:clrMapOvr>
+</p:sld>
+</file>
+
+<file path=ppt/slides/slide2.xml><?xml version="1.0" encoding="utf-8"?>
+<p:sld xmlns:a="http://schemas.openxmlformats.org/drawingml/2006/main" xmlns:r="http://schemas.openxmlformats.org/officeDocument/2006/relationships" xmlns:p="http://schemas.openxmlformats.org/presentationml/2006/main">
+  <p:cSld>
+    <p:spTree>
+      <p:nvGrpSpPr>
+        <p:cNvPr id="1" name=""/>
+        <p:cNvGrpSpPr/>
+        <p:nvPr/>
+      </p:nvGrpSpPr>
+      <p:grpSpPr>
+        <a:xfrm>
+          <a:off x="0" y="0"/>
+          <a:ext cx="0" cy="0"/>
+          <a:chOff x="0" y="0"/>
+          <a:chExt cx="0" cy="0"/>
+        </a:xfrm>
+      </p:grpSpPr>
+      <p:sp>
+        <p:nvSpPr>
+          <p:cNvPr id="2" name="Title 1">
+            <a:extLst>
+              <a:ext uri="{FF2B5EF4-FFF2-40B4-BE49-F238E27FC236}">
+                <a16:creationId xmlns:a16="http://schemas.microsoft.com/office/drawing/2014/main" id="{EF20AB95-531F-CECA-DFA4-8D6AEC8D1F76}"/>
+              </a:ext>
+            </a:extLst>
+          </p:cNvPr>
+          <p:cNvSpPr>
+            <a:spLocks noGrp="1"/>
+          </p:cNvSpPr>
+          <p:nvPr>
+            <p:ph type="title"/>
+          </p:nvPr>
+        </p:nvSpPr>
+        <p:spPr/>
+        <p:txBody>
+          <a:bodyPr/>
+          <a:lstStyle/>
+          <a:p>
+            <a:r>
+              <a:rPr lang="en-US" dirty="0"/>
+              <a:t>The positive outlook</a:t>
+            </a:r>
+          </a:p>
+        </p:txBody>
+      </p:sp>
+      <p:sp>
+        <p:nvSpPr>
+          <p:cNvPr id="3" name="Content Placeholder 2">
+            <a:extLst>
+              <a:ext uri="{FF2B5EF4-FFF2-40B4-BE49-F238E27FC236}">
+                <a16:creationId xmlns:a16="http://schemas.microsoft.com/office/drawing/2014/main" id="{C8D89366-F1E2-30C4-F558-0E27118C3CE8}"/>
+              </a:ext>
+            </a:extLst>
+          </p:cNvPr>
+          <p:cNvSpPr>
+            <a:spLocks noGrp="1"/>
+          </p:cNvSpPr>
+          <p:nvPr>
+            <p:ph idx="1"/>
+          </p:nvPr>
+        </p:nvSpPr>
+        <p:spPr/>
+        <p:txBody>
+          <a:bodyPr/>
+          <a:lstStyle/>
+          <a:p>
+            <a:r>
+              <a:rPr lang="en-US" dirty="0"/>
+              <a:t>Lots of services and new components ready to be used</a:t>
+            </a:r>
+          </a:p>
+          <a:p>
+            <a:pPr lvl="1"/>
+            <a:r>
+              <a:rPr lang="en-US" dirty="0"/>
+              <a:t>LLMs, web search, NLP components, data, etc.</a:t>
+            </a:r>
+          </a:p>
+          <a:p>
+            <a:r>
+              <a:rPr lang="en-US" dirty="0"/>
+              <a:t>Possible to solve different types of puzzles</a:t>
+            </a:r>
+          </a:p>
+          <a:p>
+            <a:r>
+              <a:rPr lang="en-US" dirty="0"/>
+              <a:t>Easy to build working prototypes</a:t>
+            </a:r>
+          </a:p>
+          <a:p>
+            <a:r>
+              <a:rPr lang="en-US" dirty="0"/>
+              <a:t>Fast development cycle</a:t>
+            </a:r>
+          </a:p>
+          <a:p>
+            <a:r>
+              <a:rPr lang="en-US" dirty="0"/>
+              <a:t>Good understanding of what is possible</a:t>
+            </a:r>
+          </a:p>
+        </p:txBody>
+      </p:sp>
+      <p:sp>
+        <p:nvSpPr>
+          <p:cNvPr id="4" name="Footer Placeholder 3">
+            <a:extLst>
+              <a:ext uri="{FF2B5EF4-FFF2-40B4-BE49-F238E27FC236}">
+                <a16:creationId xmlns:a16="http://schemas.microsoft.com/office/drawing/2014/main" id="{8F23497A-2E4D-9D83-92CE-6BA587ABAD7C}"/>
+              </a:ext>
+            </a:extLst>
+          </p:cNvPr>
+          <p:cNvSpPr>
+            <a:spLocks noGrp="1"/>
+          </p:cNvSpPr>
+          <p:nvPr>
+            <p:ph type="ftr" sz="quarter" idx="11"/>
+          </p:nvPr>
+        </p:nvSpPr>
+        <p:spPr/>
+        <p:txBody>
+          <a:bodyPr/>
+          <a:lstStyle/>
+          <a:p>
+            <a:r>
+              <a:rPr lang="en-US"/>
+              <a:t>https://github.com/kwchurch/CIKM_2023_tutorial</a:t>
+            </a:r>
+          </a:p>
+        </p:txBody>
+      </p:sp>
+    </p:spTree>
+    <p:extLst>
+      <p:ext uri="{BB962C8B-B14F-4D97-AF65-F5344CB8AC3E}">
+        <p14:creationId xmlns:p14="http://schemas.microsoft.com/office/powerpoint/2010/main" val="1581968022"/>
+      </p:ext>
+    </p:extLst>
+  </p:cSld>
+  <p:clrMapOvr>
+    <a:masterClrMapping/>
+  </p:clrMapOvr>
+</p:sld>
+</file>
+
+<file path=ppt/slides/slide3.xml><?xml version="1.0" encoding="utf-8"?>
+<p:sld xmlns:a="http://schemas.openxmlformats.org/drawingml/2006/main" xmlns:r="http://schemas.openxmlformats.org/officeDocument/2006/relationships" xmlns:p="http://schemas.openxmlformats.org/presentationml/2006/main">
+  <p:cSld>
+    <p:spTree>
+      <p:nvGrpSpPr>
+        <p:cNvPr id="1" name=""/>
+        <p:cNvGrpSpPr/>
+        <p:nvPr/>
+      </p:nvGrpSpPr>
+      <p:grpSpPr>
+        <a:xfrm>
+          <a:off x="0" y="0"/>
+          <a:ext cx="0" cy="0"/>
+          <a:chOff x="0" y="0"/>
+          <a:chExt cx="0" cy="0"/>
+        </a:xfrm>
+      </p:grpSpPr>
+      <p:sp>
+        <p:nvSpPr>
+          <p:cNvPr id="2" name="Title 1">
+            <a:extLst>
+              <a:ext uri="{FF2B5EF4-FFF2-40B4-BE49-F238E27FC236}">
+                <a16:creationId xmlns:a16="http://schemas.microsoft.com/office/drawing/2014/main" id="{BA4F3D4D-E9C9-4575-AD0D-8C4FF06A6191}"/>
+              </a:ext>
+            </a:extLst>
+          </p:cNvPr>
+          <p:cNvSpPr>
+            <a:spLocks noGrp="1"/>
+          </p:cNvSpPr>
+          <p:nvPr>
+            <p:ph type="title"/>
+          </p:nvPr>
+        </p:nvSpPr>
+        <p:spPr/>
+        <p:txBody>
+          <a:bodyPr/>
+          <a:lstStyle/>
+          <a:p>
+            <a:r>
+              <a:rPr lang="en-US" dirty="0"/>
+              <a:t>The cautious outlook</a:t>
+            </a:r>
+          </a:p>
+        </p:txBody>
+      </p:sp>
+      <p:sp>
+        <p:nvSpPr>
+          <p:cNvPr id="3" name="Content Placeholder 2">
+            <a:extLst>
+              <a:ext uri="{FF2B5EF4-FFF2-40B4-BE49-F238E27FC236}">
+                <a16:creationId xmlns:a16="http://schemas.microsoft.com/office/drawing/2014/main" id="{4BCF882A-5CCB-AE91-F827-D9493F20D93A}"/>
+              </a:ext>
+            </a:extLst>
+          </p:cNvPr>
+          <p:cNvSpPr>
+            <a:spLocks noGrp="1"/>
+          </p:cNvSpPr>
+          <p:nvPr>
+            <p:ph idx="1"/>
+          </p:nvPr>
+        </p:nvSpPr>
+        <p:spPr/>
+        <p:txBody>
+          <a:bodyPr/>
+          <a:lstStyle/>
+          <a:p>
+            <a:r>
+              <a:rPr lang="en-US" dirty="0"/>
+              <a:t>No silver bullet</a:t>
+            </a:r>
+          </a:p>
+          <a:p>
+            <a:r>
+              <a:rPr lang="en-US" dirty="0"/>
+              <a:t>Difficult to change user behavior</a:t>
+            </a:r>
+          </a:p>
+          <a:p>
+            <a:r>
+              <a:rPr lang="en-US" dirty="0"/>
+              <a:t>Adoption </a:t>
+            </a:r>
+          </a:p>
+          <a:p>
+            <a:r>
+              <a:rPr lang="en-US" dirty="0"/>
+              <a:t>Data &amp; labels are king</a:t>
+            </a:r>
+          </a:p>
+          <a:p>
+            <a:r>
+              <a:rPr lang="en-US" dirty="0"/>
+              <a:t>Provenance </a:t>
+            </a:r>
+          </a:p>
+          <a:p>
+            <a:r>
+              <a:rPr lang="en-US" dirty="0"/>
+              <a:t>Human vs AI content generation matters</a:t>
+            </a:r>
+          </a:p>
+          <a:p>
+            <a:pPr marL="0" indent="0">
+              <a:buNone/>
+            </a:pPr>
+            <a:endParaRPr lang="en-US" dirty="0"/>
+          </a:p>
+          <a:p>
+            <a:endParaRPr lang="en-US" dirty="0"/>
+          </a:p>
+        </p:txBody>
+      </p:sp>
+      <p:sp>
+        <p:nvSpPr>
+          <p:cNvPr id="4" name="Footer Placeholder 3">
+            <a:extLst>
+              <a:ext uri="{FF2B5EF4-FFF2-40B4-BE49-F238E27FC236}">
+                <a16:creationId xmlns:a16="http://schemas.microsoft.com/office/drawing/2014/main" id="{BF138371-2CB4-F8F7-149F-71DF31043B69}"/>
+              </a:ext>
+            </a:extLst>
+          </p:cNvPr>
+          <p:cNvSpPr>
+            <a:spLocks noGrp="1"/>
+          </p:cNvSpPr>
+          <p:nvPr>
+            <p:ph type="ftr" sz="quarter" idx="11"/>
+          </p:nvPr>
+        </p:nvSpPr>
+        <p:spPr/>
+        <p:txBody>
+          <a:bodyPr/>
+          <a:lstStyle/>
+          <a:p>
+            <a:r>
+              <a:rPr lang="en-US"/>
+              <a:t>https://github.com/kwchurch/CIKM_2023_tutorial</a:t>
+            </a:r>
+          </a:p>
+        </p:txBody>
+      </p:sp>
+    </p:spTree>
+    <p:extLst>
+      <p:ext uri="{BB962C8B-B14F-4D97-AF65-F5344CB8AC3E}">
+        <p14:creationId xmlns:p14="http://schemas.microsoft.com/office/powerpoint/2010/main" val="714923244"/>
+      </p:ext>
+    </p:extLst>
+  </p:cSld>
+  <p:clrMapOvr>
+    <a:masterClrMapping/>
+  </p:clrMapOvr>
+</p:sld>
+</file>
+
+<file path=ppt/slides/slide4.xml><?xml version="1.0" encoding="utf-8"?>
+<p:sld xmlns:a="http://schemas.openxmlformats.org/drawingml/2006/main" xmlns:r="http://schemas.openxmlformats.org/officeDocument/2006/relationships" xmlns:p="http://schemas.openxmlformats.org/presentationml/2006/main">
+  <p:cSld>
+    <p:spTree>
+      <p:nvGrpSpPr>
+        <p:cNvPr id="1" name=""/>
+        <p:cNvGrpSpPr/>
+        <p:nvPr/>
+      </p:nvGrpSpPr>
+      <p:grpSpPr>
+        <a:xfrm>
+          <a:off x="0" y="0"/>
+          <a:ext cx="0" cy="0"/>
+          <a:chOff x="0" y="0"/>
+          <a:chExt cx="0" cy="0"/>
+        </a:xfrm>
+      </p:grpSpPr>
+      <p:sp>
+        <p:nvSpPr>
+          <p:cNvPr id="2" name="Title 1">
+            <a:extLst>
+              <a:ext uri="{FF2B5EF4-FFF2-40B4-BE49-F238E27FC236}">
+                <a16:creationId xmlns:a16="http://schemas.microsoft.com/office/drawing/2014/main" id="{8AF701B8-D908-62BB-0DD1-6A90C6281859}"/>
+              </a:ext>
+            </a:extLst>
+          </p:cNvPr>
+          <p:cNvSpPr>
+            <a:spLocks noGrp="1"/>
+          </p:cNvSpPr>
+          <p:nvPr>
+            <p:ph type="title"/>
+          </p:nvPr>
+        </p:nvSpPr>
+        <p:spPr/>
+        <p:txBody>
+          <a:bodyPr/>
+          <a:lstStyle/>
+          <a:p>
+            <a:r>
+              <a:rPr lang="en-US" dirty="0"/>
+              <a:t>The negative outlook</a:t>
+            </a:r>
+          </a:p>
+        </p:txBody>
+      </p:sp>
+      <p:sp>
+        <p:nvSpPr>
+          <p:cNvPr id="3" name="Content Placeholder 2">
+            <a:extLst>
+              <a:ext uri="{FF2B5EF4-FFF2-40B4-BE49-F238E27FC236}">
+                <a16:creationId xmlns:a16="http://schemas.microsoft.com/office/drawing/2014/main" id="{5C93053F-59E6-AA18-7829-843EF2FB959B}"/>
+              </a:ext>
+            </a:extLst>
+          </p:cNvPr>
+          <p:cNvSpPr>
+            <a:spLocks noGrp="1"/>
+          </p:cNvSpPr>
+          <p:nvPr>
+            <p:ph idx="1"/>
+          </p:nvPr>
+        </p:nvSpPr>
+        <p:spPr/>
+        <p:txBody>
+          <a:bodyPr/>
+          <a:lstStyle/>
+          <a:p>
+            <a:r>
+              <a:rPr lang="en-US" dirty="0"/>
+              <a:t>We’re not solving the hard problems</a:t>
+            </a:r>
+          </a:p>
+          <a:p>
+            <a:r>
+              <a:rPr lang="en-US" dirty="0"/>
+              <a:t>Fluency is not intelligence</a:t>
+            </a:r>
+          </a:p>
+          <a:p>
+            <a:r>
+              <a:rPr lang="en-US" dirty="0"/>
+              <a:t>Difficult to detect false data/information/sources</a:t>
+            </a:r>
+          </a:p>
+          <a:p>
+            <a:r>
+              <a:rPr lang="en-US" dirty="0"/>
+              <a:t>Difficult to predict system behavior </a:t>
+            </a:r>
+          </a:p>
+        </p:txBody>
+      </p:sp>
+      <p:sp>
+        <p:nvSpPr>
+          <p:cNvPr id="4" name="Footer Placeholder 3">
+            <a:extLst>
+              <a:ext uri="{FF2B5EF4-FFF2-40B4-BE49-F238E27FC236}">
+                <a16:creationId xmlns:a16="http://schemas.microsoft.com/office/drawing/2014/main" id="{137173A8-C103-D4D6-3AC9-D0CB659EF273}"/>
+              </a:ext>
+            </a:extLst>
+          </p:cNvPr>
+          <p:cNvSpPr>
+            <a:spLocks noGrp="1"/>
+          </p:cNvSpPr>
+          <p:nvPr>
+            <p:ph type="ftr" sz="quarter" idx="11"/>
+          </p:nvPr>
+        </p:nvSpPr>
+        <p:spPr/>
+        <p:txBody>
+          <a:bodyPr/>
+          <a:lstStyle/>
+          <a:p>
+            <a:r>
+              <a:rPr lang="en-US"/>
+              <a:t>https://github.com/kwchurch/CIKM_2023_tutorial</a:t>
+            </a:r>
+          </a:p>
+        </p:txBody>
+      </p:sp>
+    </p:spTree>
+    <p:extLst>
+      <p:ext uri="{BB962C8B-B14F-4D97-AF65-F5344CB8AC3E}">
+        <p14:creationId xmlns:p14="http://schemas.microsoft.com/office/powerpoint/2010/main" val="3806633848"/>
       </p:ext>
     </p:extLst>
   </p:cSld>

--- a/slides/CIKM_Conclusions.pptx
+++ b/slides/CIKM_Conclusions.pptx
@@ -5,13 +5,15 @@
     <p:sldMasterId id="2147483648" r:id="rId1"/>
   </p:sldMasterIdLst>
   <p:notesMasterIdLst>
-    <p:notesMasterId r:id="rId6"/>
+    <p:notesMasterId r:id="rId8"/>
   </p:notesMasterIdLst>
   <p:sldIdLst>
     <p:sldId id="1859" r:id="rId2"/>
-    <p:sldId id="1860" r:id="rId3"/>
-    <p:sldId id="1861" r:id="rId4"/>
-    <p:sldId id="1862" r:id="rId5"/>
+    <p:sldId id="1864" r:id="rId3"/>
+    <p:sldId id="1865" r:id="rId4"/>
+    <p:sldId id="1860" r:id="rId5"/>
+    <p:sldId id="1861" r:id="rId6"/>
+    <p:sldId id="1862" r:id="rId7"/>
   </p:sldIdLst>
   <p:sldSz cx="12192000" cy="6858000"/>
   <p:notesSz cx="6858000" cy="9144000"/>
@@ -200,7 +202,7 @@
           <a:p>
             <a:fld id="{6977184D-24A8-7849-A93C-F6C4A28B9FEB}" type="datetimeFigureOut">
               <a:rPr lang="en-US" smtClean="0"/>
-              <a:t>10/19/2023</a:t>
+              <a:t>10/20/23</a:t>
             </a:fld>
             <a:endParaRPr lang="en-US"/>
           </a:p>
@@ -614,7 +616,7 @@
           <a:p>
             <a:fld id="{D6F4839F-7DE1-B14A-88DF-1E87BC238DD3}" type="datetime1">
               <a:rPr lang="en-US" smtClean="0"/>
-              <a:t>10/19/2023</a:t>
+              <a:t>10/20/23</a:t>
             </a:fld>
             <a:endParaRPr lang="en-US"/>
           </a:p>
@@ -815,7 +817,7 @@
           <a:p>
             <a:fld id="{16599DE4-5D39-4348-9AAF-E8F68825BC5B}" type="datetime1">
               <a:rPr lang="en-US" smtClean="0"/>
-              <a:t>10/19/2023</a:t>
+              <a:t>10/20/23</a:t>
             </a:fld>
             <a:endParaRPr lang="en-US"/>
           </a:p>
@@ -1026,7 +1028,7 @@
           <a:p>
             <a:fld id="{E6D8F26C-F4A7-154D-A8F7-682C4194AF79}" type="datetime1">
               <a:rPr lang="en-US" smtClean="0"/>
-              <a:t>10/19/2023</a:t>
+              <a:t>10/20/23</a:t>
             </a:fld>
             <a:endParaRPr lang="en-US"/>
           </a:p>
@@ -1227,7 +1229,7 @@
           <a:p>
             <a:fld id="{81C3BD8B-B388-0944-BF27-A69B2D089469}" type="datetime1">
               <a:rPr lang="en-US" smtClean="0"/>
-              <a:t>10/19/2023</a:t>
+              <a:t>10/20/23</a:t>
             </a:fld>
             <a:endParaRPr lang="en-US"/>
           </a:p>
@@ -1505,7 +1507,7 @@
           <a:p>
             <a:fld id="{D60A6E5A-DC8A-C34B-9215-1F0D8E287035}" type="datetime1">
               <a:rPr lang="en-US" smtClean="0"/>
-              <a:t>10/19/2023</a:t>
+              <a:t>10/20/23</a:t>
             </a:fld>
             <a:endParaRPr lang="en-US"/>
           </a:p>
@@ -1773,7 +1775,7 @@
           <a:p>
             <a:fld id="{337A1C32-7323-A34F-B4A7-7D22756FAD70}" type="datetime1">
               <a:rPr lang="en-US" smtClean="0"/>
-              <a:t>10/19/2023</a:t>
+              <a:t>10/20/23</a:t>
             </a:fld>
             <a:endParaRPr lang="en-US"/>
           </a:p>
@@ -2188,7 +2190,7 @@
           <a:p>
             <a:fld id="{CB6D7B08-82DE-664D-AB2B-C91FFE57ACF6}" type="datetime1">
               <a:rPr lang="en-US" smtClean="0"/>
-              <a:t>10/19/2023</a:t>
+              <a:t>10/20/23</a:t>
             </a:fld>
             <a:endParaRPr lang="en-US"/>
           </a:p>
@@ -2332,7 +2334,7 @@
           <a:p>
             <a:fld id="{6C35521F-2369-6445-B181-E95C60B42026}" type="datetime1">
               <a:rPr lang="en-US" smtClean="0"/>
-              <a:t>10/19/2023</a:t>
+              <a:t>10/20/23</a:t>
             </a:fld>
             <a:endParaRPr lang="en-US"/>
           </a:p>
@@ -2448,7 +2450,7 @@
           <a:p>
             <a:fld id="{10625208-3CDA-CD4D-AEB9-8F0AF5A15F8D}" type="datetime1">
               <a:rPr lang="en-US" smtClean="0"/>
-              <a:t>10/19/2023</a:t>
+              <a:t>10/20/23</a:t>
             </a:fld>
             <a:endParaRPr lang="en-US"/>
           </a:p>
@@ -2762,7 +2764,7 @@
           <a:p>
             <a:fld id="{3D573010-5F3C-7C41-BE77-B6CEE6160861}" type="datetime1">
               <a:rPr lang="en-US" smtClean="0"/>
-              <a:t>10/19/2023</a:t>
+              <a:t>10/20/23</a:t>
             </a:fld>
             <a:endParaRPr lang="en-US"/>
           </a:p>
@@ -3053,7 +3055,7 @@
           <a:p>
             <a:fld id="{1CEBBBA8-CAA0-C749-9E2C-53E54900CA18}" type="datetime1">
               <a:rPr lang="en-US" smtClean="0"/>
-              <a:t>10/19/2023</a:t>
+              <a:t>10/20/23</a:t>
             </a:fld>
             <a:endParaRPr lang="en-US"/>
           </a:p>
@@ -3297,7 +3299,7 @@
           <a:p>
             <a:fld id="{595B83D0-0A32-6A41-8077-327E0A5F0CB3}" type="datetime1">
               <a:rPr lang="en-US" smtClean="0"/>
-              <a:t>10/19/2023</a:t>
+              <a:t>10/20/23</a:t>
             </a:fld>
             <a:endParaRPr lang="en-US"/>
           </a:p>
@@ -3834,7 +3836,7 @@
           <p:cNvPr id="2" name="Title 1">
             <a:extLst>
               <a:ext uri="{FF2B5EF4-FFF2-40B4-BE49-F238E27FC236}">
-                <a16:creationId xmlns:a16="http://schemas.microsoft.com/office/drawing/2014/main" id="{EF20AB95-531F-CECA-DFA4-8D6AEC8D1F76}"/>
+                <a16:creationId xmlns:a16="http://schemas.microsoft.com/office/drawing/2014/main" id="{F020B203-8496-20FE-31BE-983F76302913}"/>
               </a:ext>
             </a:extLst>
           </p:cNvPr>
@@ -3852,7 +3854,7 @@
           <a:p>
             <a:r>
               <a:rPr lang="en-US" dirty="0"/>
-              <a:t>The positive outlook</a:t>
+              <a:t>Tutorial Agenda</a:t>
             </a:r>
           </a:p>
         </p:txBody>
@@ -3862,7 +3864,7 @@
           <p:cNvPr id="3" name="Content Placeholder 2">
             <a:extLst>
               <a:ext uri="{FF2B5EF4-FFF2-40B4-BE49-F238E27FC236}">
-                <a16:creationId xmlns:a16="http://schemas.microsoft.com/office/drawing/2014/main" id="{C8D89366-F1E2-30C4-F558-0E27118C3CE8}"/>
+                <a16:creationId xmlns:a16="http://schemas.microsoft.com/office/drawing/2014/main" id="{23AE0AB0-39E3-887B-07BA-4E7E4021A9C7}"/>
               </a:ext>
             </a:extLst>
           </p:cNvPr>
@@ -3878,41 +3880,159 @@
           <a:bodyPr/>
           <a:lstStyle/>
           <a:p>
-            <a:r>
-              <a:rPr lang="en-US" dirty="0"/>
-              <a:t>Lots of services and new components ready to be used</a:t>
-            </a:r>
-          </a:p>
-          <a:p>
-            <a:pPr lvl="1"/>
-            <a:r>
-              <a:rPr lang="en-US" dirty="0"/>
-              <a:t>LLMs, web search, NLP components, data, etc.</a:t>
-            </a:r>
-          </a:p>
-          <a:p>
-            <a:r>
-              <a:rPr lang="en-US" dirty="0"/>
-              <a:t>Possible to solve different types of puzzles</a:t>
-            </a:r>
-          </a:p>
-          <a:p>
-            <a:r>
-              <a:rPr lang="en-US" dirty="0"/>
-              <a:t>Easy to build working prototypes</a:t>
-            </a:r>
-          </a:p>
-          <a:p>
-            <a:r>
-              <a:rPr lang="en-US" dirty="0"/>
-              <a:t>Fast development cycle</a:t>
-            </a:r>
-          </a:p>
-          <a:p>
-            <a:r>
-              <a:rPr lang="en-US" dirty="0"/>
-              <a:t>Good understanding of what is possible</a:t>
-            </a:r>
+            <a:pPr>
+              <a:buFont typeface="Wingdings" pitchFamily="2" charset="2"/>
+              <a:buChar char="ü"/>
+            </a:pPr>
+            <a:r>
+              <a:rPr lang="en-US" b="0" i="0" u="sng" dirty="0">
+                <a:solidFill>
+                  <a:srgbClr val="1F2328"/>
+                </a:solidFill>
+                <a:effectLst/>
+                <a:latin typeface="-apple-system"/>
+                <a:hlinkClick r:id="rId2"/>
+              </a:rPr>
+              <a:t>I</a:t>
+            </a:r>
+            <a:r>
+              <a:rPr lang="en-US" b="0" i="0" u="sng" dirty="0">
+                <a:solidFill>
+                  <a:srgbClr val="1F2328"/>
+                </a:solidFill>
+                <a:effectLst/>
+                <a:latin typeface="-apple-system"/>
+                <a:hlinkClick r:id="rId2"/>
+              </a:rPr>
+              <a:t>ntroduction</a:t>
+            </a:r>
+            <a:endParaRPr lang="en-US" b="0" i="0" dirty="0">
+              <a:solidFill>
+                <a:srgbClr val="1F2328"/>
+              </a:solidFill>
+              <a:effectLst/>
+              <a:latin typeface="-apple-system"/>
+            </a:endParaRPr>
+          </a:p>
+          <a:p>
+            <a:pPr>
+              <a:buFont typeface="Wingdings" pitchFamily="2" charset="2"/>
+              <a:buChar char="ü"/>
+            </a:pPr>
+            <a:r>
+              <a:rPr lang="en-US" b="0" i="0" u="sng" dirty="0">
+                <a:solidFill>
+                  <a:srgbClr val="1F2328"/>
+                </a:solidFill>
+                <a:effectLst/>
+                <a:latin typeface="-apple-system"/>
+                <a:hlinkClick r:id="rId3"/>
+              </a:rPr>
+              <a:t>Hard</a:t>
+            </a:r>
+            <a:endParaRPr lang="en-US" b="0" i="0" dirty="0">
+              <a:solidFill>
+                <a:srgbClr val="1F2328"/>
+              </a:solidFill>
+              <a:effectLst/>
+              <a:latin typeface="-apple-system"/>
+            </a:endParaRPr>
+          </a:p>
+          <a:p>
+            <a:pPr>
+              <a:buFont typeface="Wingdings" pitchFamily="2" charset="2"/>
+              <a:buChar char="ü"/>
+            </a:pPr>
+            <a:r>
+              <a:rPr lang="en-US" b="0" i="0" u="sng" dirty="0">
+                <a:solidFill>
+                  <a:srgbClr val="1F2328"/>
+                </a:solidFill>
+                <a:effectLst/>
+                <a:latin typeface="-apple-system"/>
+                <a:hlinkClick r:id="rId4"/>
+              </a:rPr>
+              <a:t>Easy</a:t>
+            </a:r>
+            <a:endParaRPr lang="en-US" b="0" i="0" dirty="0">
+              <a:solidFill>
+                <a:srgbClr val="1F2328"/>
+              </a:solidFill>
+              <a:effectLst/>
+              <a:latin typeface="-apple-system"/>
+            </a:endParaRPr>
+          </a:p>
+          <a:p>
+            <a:pPr>
+              <a:buFont typeface="Wingdings" pitchFamily="2" charset="2"/>
+              <a:buChar char="ü"/>
+            </a:pPr>
+            <a:r>
+              <a:rPr lang="en-US" b="0" i="0" u="sng" dirty="0">
+                <a:solidFill>
+                  <a:srgbClr val="1F2328"/>
+                </a:solidFill>
+                <a:effectLst/>
+                <a:latin typeface="-apple-system"/>
+                <a:hlinkClick r:id="rId5"/>
+              </a:rPr>
+              <a:t>Medium</a:t>
+            </a:r>
+            <a:endParaRPr lang="en-US" b="0" i="0" dirty="0">
+              <a:solidFill>
+                <a:srgbClr val="1F2328"/>
+              </a:solidFill>
+              <a:effectLst/>
+              <a:latin typeface="-apple-system"/>
+            </a:endParaRPr>
+          </a:p>
+          <a:p>
+            <a:pPr>
+              <a:buFont typeface="Wingdings" pitchFamily="2" charset="2"/>
+              <a:buChar char="ü"/>
+            </a:pPr>
+            <a:r>
+              <a:rPr lang="en-US" b="0" i="0" u="sng" dirty="0">
+                <a:solidFill>
+                  <a:srgbClr val="1F2328"/>
+                </a:solidFill>
+                <a:effectLst/>
+                <a:latin typeface="-apple-system"/>
+                <a:hlinkClick r:id="rId6"/>
+              </a:rPr>
+              <a:t>Ugly</a:t>
+            </a:r>
+            <a:endParaRPr lang="en-US" b="0" i="0" dirty="0">
+              <a:solidFill>
+                <a:srgbClr val="1F2328"/>
+              </a:solidFill>
+              <a:effectLst/>
+              <a:latin typeface="-apple-system"/>
+            </a:endParaRPr>
+          </a:p>
+          <a:p>
+            <a:pPr>
+              <a:buFont typeface="Wingdings" pitchFamily="2" charset="2"/>
+              <a:buChar char="ü"/>
+            </a:pPr>
+            <a:r>
+              <a:rPr lang="en-US" b="0" i="0" u="sng" dirty="0">
+                <a:solidFill>
+                  <a:srgbClr val="1F2328"/>
+                </a:solidFill>
+                <a:effectLst/>
+                <a:latin typeface="-apple-system"/>
+                <a:hlinkClick r:id="rId7"/>
+              </a:rPr>
+              <a:t>Conclusions</a:t>
+            </a:r>
+            <a:endParaRPr lang="en-US" b="0" i="0" dirty="0">
+              <a:solidFill>
+                <a:srgbClr val="1F2328"/>
+              </a:solidFill>
+              <a:effectLst/>
+              <a:latin typeface="-apple-system"/>
+            </a:endParaRPr>
           </a:p>
         </p:txBody>
       </p:sp>
@@ -3921,7 +4041,7 @@
           <p:cNvPr id="4" name="Footer Placeholder 3">
             <a:extLst>
               <a:ext uri="{FF2B5EF4-FFF2-40B4-BE49-F238E27FC236}">
-                <a16:creationId xmlns:a16="http://schemas.microsoft.com/office/drawing/2014/main" id="{8F23497A-2E4D-9D83-92CE-6BA587ABAD7C}"/>
+                <a16:creationId xmlns:a16="http://schemas.microsoft.com/office/drawing/2014/main" id="{AB193833-05E0-185C-C0CB-FF00F076C990}"/>
               </a:ext>
             </a:extLst>
           </p:cNvPr>
@@ -3947,7 +4067,7 @@
     </p:spTree>
     <p:extLst>
       <p:ext uri="{BB962C8B-B14F-4D97-AF65-F5344CB8AC3E}">
-        <p14:creationId xmlns:p14="http://schemas.microsoft.com/office/powerpoint/2010/main" val="1581968022"/>
+        <p14:creationId xmlns:p14="http://schemas.microsoft.com/office/powerpoint/2010/main" val="2924840640"/>
       </p:ext>
     </p:extLst>
   </p:cSld>
@@ -3979,7 +4099,7 @@
           <p:cNvPr id="2" name="Title 1">
             <a:extLst>
               <a:ext uri="{FF2B5EF4-FFF2-40B4-BE49-F238E27FC236}">
-                <a16:creationId xmlns:a16="http://schemas.microsoft.com/office/drawing/2014/main" id="{BA4F3D4D-E9C9-4575-AD0D-8C4FF06A6191}"/>
+                <a16:creationId xmlns:a16="http://schemas.microsoft.com/office/drawing/2014/main" id="{164CF1DE-14A2-5EB9-57D0-876EA4E564F7}"/>
               </a:ext>
             </a:extLst>
           </p:cNvPr>
@@ -3994,79 +4114,55 @@
         <p:txBody>
           <a:bodyPr/>
           <a:lstStyle/>
+          <a:p>
+            <a:r>
+              <a:rPr lang="en-US" dirty="0"/>
+              <a:t>Topics for Q&amp;A / Discussion</a:t>
+            </a:r>
+          </a:p>
+        </p:txBody>
+      </p:sp>
+      <p:sp>
+        <p:nvSpPr>
+          <p:cNvPr id="3" name="Content Placeholder 2">
+            <a:extLst>
+              <a:ext uri="{FF2B5EF4-FFF2-40B4-BE49-F238E27FC236}">
+                <a16:creationId xmlns:a16="http://schemas.microsoft.com/office/drawing/2014/main" id="{B3EBCA26-15F4-DF78-5CAD-7F64F539A369}"/>
+              </a:ext>
+            </a:extLst>
+          </p:cNvPr>
+          <p:cNvSpPr>
+            <a:spLocks noGrp="1"/>
+          </p:cNvSpPr>
+          <p:nvPr>
+            <p:ph idx="1"/>
+          </p:nvPr>
+        </p:nvSpPr>
+        <p:spPr/>
+        <p:txBody>
+          <a:bodyPr/>
+          <a:lstStyle/>
+          <a:p>
+            <a:r>
+              <a:rPr lang="en-US" dirty="0"/>
+              <a:t>The positive outlook</a:t>
+            </a:r>
+          </a:p>
           <a:p>
             <a:r>
               <a:rPr lang="en-US" dirty="0"/>
               <a:t>The cautious outlook</a:t>
             </a:r>
           </a:p>
-        </p:txBody>
-      </p:sp>
-      <p:sp>
-        <p:nvSpPr>
-          <p:cNvPr id="3" name="Content Placeholder 2">
-            <a:extLst>
-              <a:ext uri="{FF2B5EF4-FFF2-40B4-BE49-F238E27FC236}">
-                <a16:creationId xmlns:a16="http://schemas.microsoft.com/office/drawing/2014/main" id="{4BCF882A-5CCB-AE91-F827-D9493F20D93A}"/>
-              </a:ext>
-            </a:extLst>
-          </p:cNvPr>
-          <p:cNvSpPr>
-            <a:spLocks noGrp="1"/>
-          </p:cNvSpPr>
-          <p:nvPr>
-            <p:ph idx="1"/>
-          </p:nvPr>
-        </p:nvSpPr>
-        <p:spPr/>
-        <p:txBody>
-          <a:bodyPr/>
-          <a:lstStyle/>
           <a:p>
             <a:r>
               <a:rPr lang="en-US" dirty="0"/>
-              <a:t>No silver bullet</a:t>
-            </a:r>
-          </a:p>
-          <a:p>
-            <a:r>
-              <a:rPr lang="en-US" dirty="0"/>
-              <a:t>Difficult to change user behavior</a:t>
-            </a:r>
-          </a:p>
-          <a:p>
-            <a:r>
-              <a:rPr lang="en-US" dirty="0"/>
-              <a:t>Adoption </a:t>
-            </a:r>
-          </a:p>
-          <a:p>
-            <a:r>
-              <a:rPr lang="en-US" dirty="0"/>
-              <a:t>Data &amp; labels are king</a:t>
-            </a:r>
-          </a:p>
-          <a:p>
-            <a:r>
-              <a:rPr lang="en-US" dirty="0"/>
-              <a:t>Provenance </a:t>
-            </a:r>
-          </a:p>
-          <a:p>
-            <a:r>
-              <a:rPr lang="en-US" dirty="0"/>
-              <a:t>Human vs AI content generation matters</a:t>
-            </a:r>
-          </a:p>
-          <a:p>
-            <a:pPr marL="0" indent="0">
-              <a:buNone/>
-            </a:pPr>
+              <a:t>The negative outlook</a:t>
+            </a:r>
+          </a:p>
+          <a:p>
             <a:endParaRPr lang="en-US" dirty="0"/>
           </a:p>
-          <a:p>
-            <a:endParaRPr lang="en-US" dirty="0"/>
-          </a:p>
         </p:txBody>
       </p:sp>
       <p:sp>
@@ -4074,7 +4170,7 @@
           <p:cNvPr id="4" name="Footer Placeholder 3">
             <a:extLst>
               <a:ext uri="{FF2B5EF4-FFF2-40B4-BE49-F238E27FC236}">
-                <a16:creationId xmlns:a16="http://schemas.microsoft.com/office/drawing/2014/main" id="{BF138371-2CB4-F8F7-149F-71DF31043B69}"/>
+                <a16:creationId xmlns:a16="http://schemas.microsoft.com/office/drawing/2014/main" id="{9817D910-E763-E6A9-2395-75A4E5838516}"/>
               </a:ext>
             </a:extLst>
           </p:cNvPr>
@@ -4100,7 +4196,7 @@
     </p:spTree>
     <p:extLst>
       <p:ext uri="{BB962C8B-B14F-4D97-AF65-F5344CB8AC3E}">
-        <p14:creationId xmlns:p14="http://schemas.microsoft.com/office/powerpoint/2010/main" val="714923244"/>
+        <p14:creationId xmlns:p14="http://schemas.microsoft.com/office/powerpoint/2010/main" val="1003625964"/>
       </p:ext>
     </p:extLst>
   </p:cSld>
@@ -4132,6 +4228,304 @@
           <p:cNvPr id="2" name="Title 1">
             <a:extLst>
               <a:ext uri="{FF2B5EF4-FFF2-40B4-BE49-F238E27FC236}">
+                <a16:creationId xmlns:a16="http://schemas.microsoft.com/office/drawing/2014/main" id="{EF20AB95-531F-CECA-DFA4-8D6AEC8D1F76}"/>
+              </a:ext>
+            </a:extLst>
+          </p:cNvPr>
+          <p:cNvSpPr>
+            <a:spLocks noGrp="1"/>
+          </p:cNvSpPr>
+          <p:nvPr>
+            <p:ph type="title"/>
+          </p:nvPr>
+        </p:nvSpPr>
+        <p:spPr/>
+        <p:txBody>
+          <a:bodyPr/>
+          <a:lstStyle/>
+          <a:p>
+            <a:r>
+              <a:rPr lang="en-US" dirty="0"/>
+              <a:t>The positive outlook</a:t>
+            </a:r>
+          </a:p>
+        </p:txBody>
+      </p:sp>
+      <p:sp>
+        <p:nvSpPr>
+          <p:cNvPr id="3" name="Content Placeholder 2">
+            <a:extLst>
+              <a:ext uri="{FF2B5EF4-FFF2-40B4-BE49-F238E27FC236}">
+                <a16:creationId xmlns:a16="http://schemas.microsoft.com/office/drawing/2014/main" id="{C8D89366-F1E2-30C4-F558-0E27118C3CE8}"/>
+              </a:ext>
+            </a:extLst>
+          </p:cNvPr>
+          <p:cNvSpPr>
+            <a:spLocks noGrp="1"/>
+          </p:cNvSpPr>
+          <p:nvPr>
+            <p:ph idx="1"/>
+          </p:nvPr>
+        </p:nvSpPr>
+        <p:spPr/>
+        <p:txBody>
+          <a:bodyPr/>
+          <a:lstStyle/>
+          <a:p>
+            <a:r>
+              <a:rPr lang="en-US" dirty="0"/>
+              <a:t>Lots of services and new components ready to be used</a:t>
+            </a:r>
+          </a:p>
+          <a:p>
+            <a:pPr lvl="1"/>
+            <a:r>
+              <a:rPr lang="en-US" dirty="0"/>
+              <a:t>LLMs, web search, NLP components, data, etc.</a:t>
+            </a:r>
+          </a:p>
+          <a:p>
+            <a:r>
+              <a:rPr lang="en-US" dirty="0"/>
+              <a:t>Possible to solve different types of puzzles</a:t>
+            </a:r>
+          </a:p>
+          <a:p>
+            <a:r>
+              <a:rPr lang="en-US" dirty="0"/>
+              <a:t>Easy to build working prototypes</a:t>
+            </a:r>
+          </a:p>
+          <a:p>
+            <a:r>
+              <a:rPr lang="en-US" dirty="0"/>
+              <a:t>Fast development cycle</a:t>
+            </a:r>
+          </a:p>
+          <a:p>
+            <a:r>
+              <a:rPr lang="en-US" dirty="0"/>
+              <a:t>Good understanding of what is possible</a:t>
+            </a:r>
+          </a:p>
+        </p:txBody>
+      </p:sp>
+      <p:sp>
+        <p:nvSpPr>
+          <p:cNvPr id="4" name="Footer Placeholder 3">
+            <a:extLst>
+              <a:ext uri="{FF2B5EF4-FFF2-40B4-BE49-F238E27FC236}">
+                <a16:creationId xmlns:a16="http://schemas.microsoft.com/office/drawing/2014/main" id="{8F23497A-2E4D-9D83-92CE-6BA587ABAD7C}"/>
+              </a:ext>
+            </a:extLst>
+          </p:cNvPr>
+          <p:cNvSpPr>
+            <a:spLocks noGrp="1"/>
+          </p:cNvSpPr>
+          <p:nvPr>
+            <p:ph type="ftr" sz="quarter" idx="11"/>
+          </p:nvPr>
+        </p:nvSpPr>
+        <p:spPr/>
+        <p:txBody>
+          <a:bodyPr/>
+          <a:lstStyle/>
+          <a:p>
+            <a:r>
+              <a:rPr lang="en-US"/>
+              <a:t>https://github.com/kwchurch/CIKM_2023_tutorial</a:t>
+            </a:r>
+          </a:p>
+        </p:txBody>
+      </p:sp>
+    </p:spTree>
+    <p:extLst>
+      <p:ext uri="{BB962C8B-B14F-4D97-AF65-F5344CB8AC3E}">
+        <p14:creationId xmlns:p14="http://schemas.microsoft.com/office/powerpoint/2010/main" val="1581968022"/>
+      </p:ext>
+    </p:extLst>
+  </p:cSld>
+  <p:clrMapOvr>
+    <a:masterClrMapping/>
+  </p:clrMapOvr>
+</p:sld>
+</file>
+
+<file path=ppt/slides/slide5.xml><?xml version="1.0" encoding="utf-8"?>
+<p:sld xmlns:a="http://schemas.openxmlformats.org/drawingml/2006/main" xmlns:r="http://schemas.openxmlformats.org/officeDocument/2006/relationships" xmlns:p="http://schemas.openxmlformats.org/presentationml/2006/main">
+  <p:cSld>
+    <p:spTree>
+      <p:nvGrpSpPr>
+        <p:cNvPr id="1" name=""/>
+        <p:cNvGrpSpPr/>
+        <p:nvPr/>
+      </p:nvGrpSpPr>
+      <p:grpSpPr>
+        <a:xfrm>
+          <a:off x="0" y="0"/>
+          <a:ext cx="0" cy="0"/>
+          <a:chOff x="0" y="0"/>
+          <a:chExt cx="0" cy="0"/>
+        </a:xfrm>
+      </p:grpSpPr>
+      <p:sp>
+        <p:nvSpPr>
+          <p:cNvPr id="2" name="Title 1">
+            <a:extLst>
+              <a:ext uri="{FF2B5EF4-FFF2-40B4-BE49-F238E27FC236}">
+                <a16:creationId xmlns:a16="http://schemas.microsoft.com/office/drawing/2014/main" id="{BA4F3D4D-E9C9-4575-AD0D-8C4FF06A6191}"/>
+              </a:ext>
+            </a:extLst>
+          </p:cNvPr>
+          <p:cNvSpPr>
+            <a:spLocks noGrp="1"/>
+          </p:cNvSpPr>
+          <p:nvPr>
+            <p:ph type="title"/>
+          </p:nvPr>
+        </p:nvSpPr>
+        <p:spPr/>
+        <p:txBody>
+          <a:bodyPr/>
+          <a:lstStyle/>
+          <a:p>
+            <a:r>
+              <a:rPr lang="en-US" dirty="0"/>
+              <a:t>The cautious outlook</a:t>
+            </a:r>
+          </a:p>
+        </p:txBody>
+      </p:sp>
+      <p:sp>
+        <p:nvSpPr>
+          <p:cNvPr id="3" name="Content Placeholder 2">
+            <a:extLst>
+              <a:ext uri="{FF2B5EF4-FFF2-40B4-BE49-F238E27FC236}">
+                <a16:creationId xmlns:a16="http://schemas.microsoft.com/office/drawing/2014/main" id="{4BCF882A-5CCB-AE91-F827-D9493F20D93A}"/>
+              </a:ext>
+            </a:extLst>
+          </p:cNvPr>
+          <p:cNvSpPr>
+            <a:spLocks noGrp="1"/>
+          </p:cNvSpPr>
+          <p:nvPr>
+            <p:ph idx="1"/>
+          </p:nvPr>
+        </p:nvSpPr>
+        <p:spPr/>
+        <p:txBody>
+          <a:bodyPr/>
+          <a:lstStyle/>
+          <a:p>
+            <a:r>
+              <a:rPr lang="en-US" dirty="0"/>
+              <a:t>No silver bullet</a:t>
+            </a:r>
+          </a:p>
+          <a:p>
+            <a:r>
+              <a:rPr lang="en-US" dirty="0"/>
+              <a:t>Difficult to change user behavior</a:t>
+            </a:r>
+          </a:p>
+          <a:p>
+            <a:r>
+              <a:rPr lang="en-US" dirty="0"/>
+              <a:t>Adoption </a:t>
+            </a:r>
+          </a:p>
+          <a:p>
+            <a:r>
+              <a:rPr lang="en-US" dirty="0"/>
+              <a:t>Data &amp; labels are king</a:t>
+            </a:r>
+          </a:p>
+          <a:p>
+            <a:r>
+              <a:rPr lang="en-US" dirty="0"/>
+              <a:t>Provenance </a:t>
+            </a:r>
+          </a:p>
+          <a:p>
+            <a:r>
+              <a:rPr lang="en-US" dirty="0"/>
+              <a:t>Human vs AI content generation matters</a:t>
+            </a:r>
+          </a:p>
+          <a:p>
+            <a:pPr marL="0" indent="0">
+              <a:buNone/>
+            </a:pPr>
+            <a:endParaRPr lang="en-US" dirty="0"/>
+          </a:p>
+          <a:p>
+            <a:endParaRPr lang="en-US" dirty="0"/>
+          </a:p>
+        </p:txBody>
+      </p:sp>
+      <p:sp>
+        <p:nvSpPr>
+          <p:cNvPr id="4" name="Footer Placeholder 3">
+            <a:extLst>
+              <a:ext uri="{FF2B5EF4-FFF2-40B4-BE49-F238E27FC236}">
+                <a16:creationId xmlns:a16="http://schemas.microsoft.com/office/drawing/2014/main" id="{BF138371-2CB4-F8F7-149F-71DF31043B69}"/>
+              </a:ext>
+            </a:extLst>
+          </p:cNvPr>
+          <p:cNvSpPr>
+            <a:spLocks noGrp="1"/>
+          </p:cNvSpPr>
+          <p:nvPr>
+            <p:ph type="ftr" sz="quarter" idx="11"/>
+          </p:nvPr>
+        </p:nvSpPr>
+        <p:spPr/>
+        <p:txBody>
+          <a:bodyPr/>
+          <a:lstStyle/>
+          <a:p>
+            <a:r>
+              <a:rPr lang="en-US"/>
+              <a:t>https://github.com/kwchurch/CIKM_2023_tutorial</a:t>
+            </a:r>
+          </a:p>
+        </p:txBody>
+      </p:sp>
+    </p:spTree>
+    <p:extLst>
+      <p:ext uri="{BB962C8B-B14F-4D97-AF65-F5344CB8AC3E}">
+        <p14:creationId xmlns:p14="http://schemas.microsoft.com/office/powerpoint/2010/main" val="714923244"/>
+      </p:ext>
+    </p:extLst>
+  </p:cSld>
+  <p:clrMapOvr>
+    <a:masterClrMapping/>
+  </p:clrMapOvr>
+</p:sld>
+</file>
+
+<file path=ppt/slides/slide6.xml><?xml version="1.0" encoding="utf-8"?>
+<p:sld xmlns:a="http://schemas.openxmlformats.org/drawingml/2006/main" xmlns:r="http://schemas.openxmlformats.org/officeDocument/2006/relationships" xmlns:p="http://schemas.openxmlformats.org/presentationml/2006/main">
+  <p:cSld>
+    <p:spTree>
+      <p:nvGrpSpPr>
+        <p:cNvPr id="1" name=""/>
+        <p:cNvGrpSpPr/>
+        <p:nvPr/>
+      </p:nvGrpSpPr>
+      <p:grpSpPr>
+        <a:xfrm>
+          <a:off x="0" y="0"/>
+          <a:ext cx="0" cy="0"/>
+          <a:chOff x="0" y="0"/>
+          <a:chExt cx="0" cy="0"/>
+        </a:xfrm>
+      </p:grpSpPr>
+      <p:sp>
+        <p:nvSpPr>
+          <p:cNvPr id="2" name="Title 1">
+            <a:extLst>
+              <a:ext uri="{FF2B5EF4-FFF2-40B4-BE49-F238E27FC236}">
                 <a16:creationId xmlns:a16="http://schemas.microsoft.com/office/drawing/2014/main" id="{8AF701B8-D908-62BB-0DD1-6A90C6281859}"/>
               </a:ext>
             </a:extLst>
@@ -4155,52 +4549,163 @@
           </a:p>
         </p:txBody>
       </p:sp>
-      <p:sp>
-        <p:nvSpPr>
-          <p:cNvPr id="3" name="Content Placeholder 2">
-            <a:extLst>
-              <a:ext uri="{FF2B5EF4-FFF2-40B4-BE49-F238E27FC236}">
-                <a16:creationId xmlns:a16="http://schemas.microsoft.com/office/drawing/2014/main" id="{5C93053F-59E6-AA18-7829-843EF2FB959B}"/>
-              </a:ext>
-            </a:extLst>
-          </p:cNvPr>
-          <p:cNvSpPr>
-            <a:spLocks noGrp="1"/>
-          </p:cNvSpPr>
-          <p:nvPr>
-            <p:ph idx="1"/>
-          </p:nvPr>
-        </p:nvSpPr>
-        <p:spPr/>
-        <p:txBody>
-          <a:bodyPr/>
-          <a:lstStyle/>
-          <a:p>
-            <a:r>
-              <a:rPr lang="en-US" dirty="0"/>
-              <a:t>We’re not solving the hard problems</a:t>
-            </a:r>
-          </a:p>
-          <a:p>
-            <a:r>
-              <a:rPr lang="en-US" dirty="0"/>
-              <a:t>Fluency is not intelligence</a:t>
-            </a:r>
-          </a:p>
-          <a:p>
-            <a:r>
-              <a:rPr lang="en-US" dirty="0"/>
-              <a:t>Difficult to detect false data/information/sources</a:t>
-            </a:r>
-          </a:p>
-          <a:p>
-            <a:r>
-              <a:rPr lang="en-US" dirty="0"/>
-              <a:t>Difficult to predict system behavior </a:t>
-            </a:r>
-          </a:p>
-        </p:txBody>
-      </p:sp>
+      <mc:AlternateContent xmlns:mc="http://schemas.openxmlformats.org/markup-compatibility/2006">
+        <mc:Choice xmlns:a14="http://schemas.microsoft.com/office/drawing/2010/main" Requires="a14">
+          <p:sp>
+            <p:nvSpPr>
+              <p:cNvPr id="3" name="Content Placeholder 2">
+                <a:extLst>
+                  <a:ext uri="{FF2B5EF4-FFF2-40B4-BE49-F238E27FC236}">
+                    <a16:creationId xmlns:a16="http://schemas.microsoft.com/office/drawing/2014/main" id="{5C93053F-59E6-AA18-7829-843EF2FB959B}"/>
+                  </a:ext>
+                </a:extLst>
+              </p:cNvPr>
+              <p:cNvSpPr>
+                <a:spLocks noGrp="1"/>
+              </p:cNvSpPr>
+              <p:nvPr>
+                <p:ph idx="1"/>
+              </p:nvPr>
+            </p:nvSpPr>
+            <p:spPr/>
+            <p:txBody>
+              <a:bodyPr>
+                <a:normAutofit lnSpcReduction="10000"/>
+              </a:bodyPr>
+              <a:lstStyle/>
+              <a:p>
+                <a:r>
+                  <a:rPr lang="en-US" dirty="0"/>
+                  <a:t>We’re not solving the hard problems</a:t>
+                </a:r>
+              </a:p>
+              <a:p>
+                <a:r>
+                  <a:rPr lang="en-US" dirty="0"/>
+                  <a:t>Fluency is not intelligence</a:t>
+                </a:r>
+              </a:p>
+              <a:p>
+                <a:r>
+                  <a:rPr lang="en-US" dirty="0"/>
+                  <a:t>Difficult to detect false data/information/sources</a:t>
+                </a:r>
+              </a:p>
+              <a:p>
+                <a:r>
+                  <a:rPr lang="en-US" dirty="0"/>
+                  <a:t>Difficult to predict system behavior</a:t>
+                </a:r>
+              </a:p>
+              <a:p>
+                <a:r>
+                  <a:rPr lang="en-US" dirty="0"/>
+                  <a:t>(IR)-Responsible AI </a:t>
+                </a:r>
+              </a:p>
+              <a:p>
+                <a:pPr lvl="1"/>
+                <a:r>
+                  <a:rPr lang="en-US" dirty="0" err="1"/>
+                  <a:t>ChatBot</a:t>
+                </a:r>
+                <a:r>
+                  <a:rPr lang="en-US" dirty="0"/>
+                  <a:t> (without attribution) </a:t>
+                </a:r>
+                <a14:m>
+                  <m:oMath xmlns:m="http://schemas.openxmlformats.org/officeDocument/2006/math">
+                    <m:r>
+                      <a:rPr lang="en-US" i="1" smtClean="0">
+                        <a:latin typeface="Cambria Math" panose="02040503050406030204" pitchFamily="18" charset="0"/>
+                        <a:ea typeface="Cambria Math" panose="02040503050406030204" pitchFamily="18" charset="0"/>
+                      </a:rPr>
+                      <m:t>≈</m:t>
+                    </m:r>
+                  </m:oMath>
+                </a14:m>
+                <a:r>
+                  <a:rPr lang="en-US" dirty="0"/>
+                  <a:t> Disintermediation / Plagiarism </a:t>
+                </a:r>
+              </a:p>
+              <a:p>
+                <a:pPr lvl="1"/>
+                <a:r>
+                  <a:rPr lang="en-US" dirty="0"/>
+                  <a:t>Desiderata for market maker: </a:t>
+                </a:r>
+              </a:p>
+              <a:p>
+                <a:pPr lvl="2"/>
+                <a:r>
+                  <a:rPr lang="en-US" dirty="0"/>
+                  <a:t>Suppliers should be your friends (not your lunch)</a:t>
+                </a:r>
+              </a:p>
+              <a:p>
+                <a:r>
+                  <a:rPr lang="en-US" dirty="0"/>
+                  <a:t>Success catastrophe:</a:t>
+                </a:r>
+              </a:p>
+              <a:p>
+                <a:pPr lvl="1"/>
+                <a:r>
+                  <a:rPr lang="en-US" dirty="0"/>
+                  <a:t>Unrealistic expectations </a:t>
+                </a:r>
+                <a:r>
+                  <a:rPr lang="en-US" dirty="0">
+                    <a:sym typeface="Wingdings" pitchFamily="2" charset="2"/>
+                  </a:rPr>
+                  <a:t> AI Winter</a:t>
+                </a:r>
+                <a:endParaRPr lang="en-US" dirty="0"/>
+              </a:p>
+            </p:txBody>
+          </p:sp>
+        </mc:Choice>
+        <mc:Fallback>
+          <p:sp>
+            <p:nvSpPr>
+              <p:cNvPr id="3" name="Content Placeholder 2">
+                <a:extLst>
+                  <a:ext uri="{FF2B5EF4-FFF2-40B4-BE49-F238E27FC236}">
+                    <a16:creationId xmlns:a16="http://schemas.microsoft.com/office/drawing/2014/main" id="{5C93053F-59E6-AA18-7829-843EF2FB959B}"/>
+                  </a:ext>
+                </a:extLst>
+              </p:cNvPr>
+              <p:cNvSpPr>
+                <a:spLocks noGrp="1" noRot="1" noChangeAspect="1" noMove="1" noResize="1" noEditPoints="1" noAdjustHandles="1" noChangeArrowheads="1" noChangeShapeType="1" noTextEdit="1"/>
+              </p:cNvSpPr>
+              <p:nvPr>
+                <p:ph idx="1"/>
+              </p:nvPr>
+            </p:nvSpPr>
+            <p:spPr>
+              <a:blipFill>
+                <a:blip r:embed="rId2"/>
+                <a:stretch>
+                  <a:fillRect l="-1086" t="-3198"/>
+                </a:stretch>
+              </a:blipFill>
+            </p:spPr>
+            <p:txBody>
+              <a:bodyPr/>
+              <a:lstStyle/>
+              <a:p>
+                <a:r>
+                  <a:rPr lang="en-US">
+                    <a:noFill/>
+                  </a:rPr>
+                  <a:t> </a:t>
+                </a:r>
+              </a:p>
+            </p:txBody>
+          </p:sp>
+        </mc:Fallback>
+      </mc:AlternateContent>
       <p:sp>
         <p:nvSpPr>
           <p:cNvPr id="4" name="Footer Placeholder 3">
